--- a/Solution/MECE.pptx
+++ b/Solution/MECE.pptx
@@ -288,7 +288,8 @@
           <a:p>
             <a:fld id="{912CF3F6-315B-4863-9EAC-179565A94EDB}" type="datetimeFigureOut">
               <a:rPr lang="en-US" smtClean="0"/>
-              <a:t>11/7/2023</a:t>
+              <a:pPr/>
+              <a:t>11/8/2023</a:t>
             </a:fld>
             <a:endParaRPr lang="en-US"/>
           </a:p>
@@ -330,6 +331,7 @@
           <a:p>
             <a:fld id="{EAC34555-34BC-4DC6-B998-C6D736AF31A3}" type="slidenum">
               <a:rPr lang="en-US" smtClean="0"/>
+              <a:pPr/>
               <a:t>‹#›</a:t>
             </a:fld>
             <a:endParaRPr lang="en-US"/>
@@ -453,7 +455,8 @@
           <a:p>
             <a:fld id="{912CF3F6-315B-4863-9EAC-179565A94EDB}" type="datetimeFigureOut">
               <a:rPr lang="en-US" smtClean="0"/>
-              <a:t>11/7/2023</a:t>
+              <a:pPr/>
+              <a:t>11/8/2023</a:t>
             </a:fld>
             <a:endParaRPr lang="en-US"/>
           </a:p>
@@ -495,6 +498,7 @@
           <a:p>
             <a:fld id="{EAC34555-34BC-4DC6-B998-C6D736AF31A3}" type="slidenum">
               <a:rPr lang="en-US" smtClean="0"/>
+              <a:pPr/>
               <a:t>‹#›</a:t>
             </a:fld>
             <a:endParaRPr lang="en-US"/>
@@ -628,7 +632,8 @@
           <a:p>
             <a:fld id="{912CF3F6-315B-4863-9EAC-179565A94EDB}" type="datetimeFigureOut">
               <a:rPr lang="en-US" smtClean="0"/>
-              <a:t>11/7/2023</a:t>
+              <a:pPr/>
+              <a:t>11/8/2023</a:t>
             </a:fld>
             <a:endParaRPr lang="en-US"/>
           </a:p>
@@ -670,6 +675,7 @@
           <a:p>
             <a:fld id="{EAC34555-34BC-4DC6-B998-C6D736AF31A3}" type="slidenum">
               <a:rPr lang="en-US" smtClean="0"/>
+              <a:pPr/>
               <a:t>‹#›</a:t>
             </a:fld>
             <a:endParaRPr lang="en-US"/>
@@ -793,7 +799,8 @@
           <a:p>
             <a:fld id="{912CF3F6-315B-4863-9EAC-179565A94EDB}" type="datetimeFigureOut">
               <a:rPr lang="en-US" smtClean="0"/>
-              <a:t>11/7/2023</a:t>
+              <a:pPr/>
+              <a:t>11/8/2023</a:t>
             </a:fld>
             <a:endParaRPr lang="en-US"/>
           </a:p>
@@ -835,6 +842,7 @@
           <a:p>
             <a:fld id="{EAC34555-34BC-4DC6-B998-C6D736AF31A3}" type="slidenum">
               <a:rPr lang="en-US" smtClean="0"/>
+              <a:pPr/>
               <a:t>‹#›</a:t>
             </a:fld>
             <a:endParaRPr lang="en-US"/>
@@ -1034,7 +1042,8 @@
           <a:p>
             <a:fld id="{912CF3F6-315B-4863-9EAC-179565A94EDB}" type="datetimeFigureOut">
               <a:rPr lang="en-US" smtClean="0"/>
-              <a:t>11/7/2023</a:t>
+              <a:pPr/>
+              <a:t>11/8/2023</a:t>
             </a:fld>
             <a:endParaRPr lang="en-US"/>
           </a:p>
@@ -1076,6 +1085,7 @@
           <a:p>
             <a:fld id="{EAC34555-34BC-4DC6-B998-C6D736AF31A3}" type="slidenum">
               <a:rPr lang="en-US" smtClean="0"/>
+              <a:pPr/>
               <a:t>‹#›</a:t>
             </a:fld>
             <a:endParaRPr lang="en-US"/>
@@ -1317,7 +1327,8 @@
           <a:p>
             <a:fld id="{912CF3F6-315B-4863-9EAC-179565A94EDB}" type="datetimeFigureOut">
               <a:rPr lang="en-US" smtClean="0"/>
-              <a:t>11/7/2023</a:t>
+              <a:pPr/>
+              <a:t>11/8/2023</a:t>
             </a:fld>
             <a:endParaRPr lang="en-US"/>
           </a:p>
@@ -1359,6 +1370,7 @@
           <a:p>
             <a:fld id="{EAC34555-34BC-4DC6-B998-C6D736AF31A3}" type="slidenum">
               <a:rPr lang="en-US" smtClean="0"/>
+              <a:pPr/>
               <a:t>‹#›</a:t>
             </a:fld>
             <a:endParaRPr lang="en-US"/>
@@ -1734,7 +1746,8 @@
           <a:p>
             <a:fld id="{912CF3F6-315B-4863-9EAC-179565A94EDB}" type="datetimeFigureOut">
               <a:rPr lang="en-US" smtClean="0"/>
-              <a:t>11/7/2023</a:t>
+              <a:pPr/>
+              <a:t>11/8/2023</a:t>
             </a:fld>
             <a:endParaRPr lang="en-US"/>
           </a:p>
@@ -1776,6 +1789,7 @@
           <a:p>
             <a:fld id="{EAC34555-34BC-4DC6-B998-C6D736AF31A3}" type="slidenum">
               <a:rPr lang="en-US" smtClean="0"/>
+              <a:pPr/>
               <a:t>‹#›</a:t>
             </a:fld>
             <a:endParaRPr lang="en-US"/>
@@ -1847,7 +1861,8 @@
           <a:p>
             <a:fld id="{912CF3F6-315B-4863-9EAC-179565A94EDB}" type="datetimeFigureOut">
               <a:rPr lang="en-US" smtClean="0"/>
-              <a:t>11/7/2023</a:t>
+              <a:pPr/>
+              <a:t>11/8/2023</a:t>
             </a:fld>
             <a:endParaRPr lang="en-US"/>
           </a:p>
@@ -1889,6 +1904,7 @@
           <a:p>
             <a:fld id="{EAC34555-34BC-4DC6-B998-C6D736AF31A3}" type="slidenum">
               <a:rPr lang="en-US" smtClean="0"/>
+              <a:pPr/>
               <a:t>‹#›</a:t>
             </a:fld>
             <a:endParaRPr lang="en-US"/>
@@ -1937,7 +1953,8 @@
           <a:p>
             <a:fld id="{912CF3F6-315B-4863-9EAC-179565A94EDB}" type="datetimeFigureOut">
               <a:rPr lang="en-US" smtClean="0"/>
-              <a:t>11/7/2023</a:t>
+              <a:pPr/>
+              <a:t>11/8/2023</a:t>
             </a:fld>
             <a:endParaRPr lang="en-US"/>
           </a:p>
@@ -1979,6 +1996,7 @@
           <a:p>
             <a:fld id="{EAC34555-34BC-4DC6-B998-C6D736AF31A3}" type="slidenum">
               <a:rPr lang="en-US" smtClean="0"/>
+              <a:pPr/>
               <a:t>‹#›</a:t>
             </a:fld>
             <a:endParaRPr lang="en-US"/>
@@ -2209,7 +2227,8 @@
           <a:p>
             <a:fld id="{912CF3F6-315B-4863-9EAC-179565A94EDB}" type="datetimeFigureOut">
               <a:rPr lang="en-US" smtClean="0"/>
-              <a:t>11/7/2023</a:t>
+              <a:pPr/>
+              <a:t>11/8/2023</a:t>
             </a:fld>
             <a:endParaRPr lang="en-US"/>
           </a:p>
@@ -2251,6 +2270,7 @@
           <a:p>
             <a:fld id="{EAC34555-34BC-4DC6-B998-C6D736AF31A3}" type="slidenum">
               <a:rPr lang="en-US" smtClean="0"/>
+              <a:pPr/>
               <a:t>‹#›</a:t>
             </a:fld>
             <a:endParaRPr lang="en-US"/>
@@ -2457,7 +2477,8 @@
           <a:p>
             <a:fld id="{912CF3F6-315B-4863-9EAC-179565A94EDB}" type="datetimeFigureOut">
               <a:rPr lang="en-US" smtClean="0"/>
-              <a:t>11/7/2023</a:t>
+              <a:pPr/>
+              <a:t>11/8/2023</a:t>
             </a:fld>
             <a:endParaRPr lang="en-US"/>
           </a:p>
@@ -2499,6 +2520,7 @@
           <a:p>
             <a:fld id="{EAC34555-34BC-4DC6-B998-C6D736AF31A3}" type="slidenum">
               <a:rPr lang="en-US" smtClean="0"/>
+              <a:pPr/>
               <a:t>‹#›</a:t>
             </a:fld>
             <a:endParaRPr lang="en-US"/>
@@ -2665,7 +2687,8 @@
           <a:p>
             <a:fld id="{912CF3F6-315B-4863-9EAC-179565A94EDB}" type="datetimeFigureOut">
               <a:rPr lang="en-US" smtClean="0"/>
-              <a:t>11/7/2023</a:t>
+              <a:pPr/>
+              <a:t>11/8/2023</a:t>
             </a:fld>
             <a:endParaRPr lang="en-US"/>
           </a:p>
@@ -2743,6 +2766,7 @@
           <a:p>
             <a:fld id="{EAC34555-34BC-4DC6-B998-C6D736AF31A3}" type="slidenum">
               <a:rPr lang="en-US" smtClean="0"/>
+              <a:pPr/>
               <a:t>‹#›</a:t>
             </a:fld>
             <a:endParaRPr lang="en-US"/>
@@ -3044,8 +3068,8 @@
           <p:nvPr/>
         </p:nvGraphicFramePr>
         <p:xfrm>
-          <a:off x="2209800" y="865576"/>
-          <a:ext cx="6096000" cy="1250689"/>
+          <a:off x="2209800" y="865577"/>
+          <a:ext cx="6096000" cy="1191823"/>
         </p:xfrm>
         <a:graphic>
           <a:graphicData uri="http://schemas.openxmlformats.org/drawingml/2006/table">
@@ -3058,12 +3082,23 @@
                 <a:gridCol w="2032000"/>
                 <a:gridCol w="2032000"/>
               </a:tblGrid>
-              <a:tr h="306895">
+              <a:tr h="438827">
                 <a:tc>
                   <a:txBody>
                     <a:bodyPr/>
                     <a:lstStyle/>
                     <a:p>
+                      <a:r>
+                        <a:rPr lang="en-US" sz="1600" b="1" kern="1200" dirty="0" smtClean="0">
+                          <a:solidFill>
+                            <a:schemeClr val="lt1"/>
+                          </a:solidFill>
+                          <a:latin typeface="+mn-lt"/>
+                          <a:ea typeface="+mn-ea"/>
+                          <a:cs typeface="+mn-cs"/>
+                        </a:rPr>
+                        <a:t>Product Analysis</a:t>
+                      </a:r>
                       <a:endParaRPr lang="en-US" sz="1600" b="1" kern="1200" dirty="0" smtClean="0">
                         <a:solidFill>
                           <a:schemeClr val="lt1"/>
@@ -3081,6 +3116,14 @@
                     <a:bodyPr/>
                     <a:lstStyle/>
                     <a:p>
+                      <a:r>
+                        <a:rPr lang="en-US" dirty="0" smtClean="0"/>
+                        <a:t>Quantity</a:t>
+                      </a:r>
+                      <a:r>
+                        <a:rPr lang="en-US" baseline="0" dirty="0" smtClean="0"/>
+                        <a:t> analysis</a:t>
+                      </a:r>
                       <a:endParaRPr lang="en-US" dirty="0"/>
                     </a:p>
                   </a:txBody>
@@ -3091,19 +3134,31 @@
                     <a:bodyPr/>
                     <a:lstStyle/>
                     <a:p>
+                      <a:r>
+                        <a:rPr lang="en-US" dirty="0" smtClean="0"/>
+                        <a:t>Category</a:t>
+                      </a:r>
+                      <a:r>
+                        <a:rPr lang="en-US" baseline="0" dirty="0" smtClean="0"/>
+                        <a:t> Analysis</a:t>
+                      </a:r>
                       <a:endParaRPr lang="en-US" dirty="0"/>
                     </a:p>
                   </a:txBody>
                   <a:tcPr/>
                 </a:tc>
               </a:tr>
-              <a:tr h="884929">
+              <a:tr h="752996">
                 <a:tc>
                   <a:txBody>
                     <a:bodyPr/>
                     <a:lstStyle/>
                     <a:p>
-                      <a:endParaRPr lang="en-US" dirty="0"/>
+                      <a:r>
+                        <a:rPr lang="en-US" sz="1400" dirty="0" smtClean="0"/>
+                        <a:t>Most demanded product</a:t>
+                      </a:r>
+                      <a:endParaRPr lang="en-US" sz="1400" dirty="0"/>
                     </a:p>
                   </a:txBody>
                   <a:tcPr/>
@@ -3113,7 +3168,15 @@
                     <a:bodyPr/>
                     <a:lstStyle/>
                     <a:p>
-                      <a:endParaRPr lang="en-US" dirty="0"/>
+                      <a:r>
+                        <a:rPr lang="en-US" sz="1400" dirty="0" smtClean="0"/>
+                        <a:t>Product</a:t>
+                      </a:r>
+                      <a:r>
+                        <a:rPr lang="en-US" sz="1400" baseline="0" dirty="0" smtClean="0"/>
+                        <a:t> quantity analysis</a:t>
+                      </a:r>
+                      <a:endParaRPr lang="en-US" sz="1400" dirty="0"/>
                     </a:p>
                   </a:txBody>
                   <a:tcPr/>
@@ -3123,7 +3186,11 @@
                     <a:bodyPr/>
                     <a:lstStyle/>
                     <a:p>
-                      <a:endParaRPr lang="en-US" dirty="0"/>
+                      <a:r>
+                        <a:rPr lang="en-US" sz="1400" dirty="0" smtClean="0"/>
+                        <a:t>Product category analysis</a:t>
+                      </a:r>
+                      <a:endParaRPr lang="en-US" sz="1400" dirty="0"/>
                     </a:p>
                   </a:txBody>
                   <a:tcPr/>
@@ -3143,7 +3210,7 @@
         </p:nvGraphicFramePr>
         <p:xfrm>
           <a:off x="2209800" y="3657600"/>
-          <a:ext cx="6096000" cy="1152104"/>
+          <a:ext cx="6096000" cy="1295400"/>
         </p:xfrm>
         <a:graphic>
           <a:graphicData uri="http://schemas.openxmlformats.org/drawingml/2006/table">
@@ -3156,7 +3223,7 @@
                 <a:gridCol w="2032000"/>
                 <a:gridCol w="2032000"/>
               </a:tblGrid>
-              <a:tr h="418274">
+              <a:tr h="470298">
                 <a:tc>
                   <a:txBody>
                     <a:bodyPr/>
@@ -3219,13 +3286,21 @@
                   <a:tcPr/>
                 </a:tc>
               </a:tr>
-              <a:tr h="733830">
+              <a:tr h="825102">
                 <a:tc>
                   <a:txBody>
                     <a:bodyPr/>
                     <a:lstStyle/>
                     <a:p>
-                      <a:endParaRPr lang="en-US" dirty="0"/>
+                      <a:r>
+                        <a:rPr lang="en-US" sz="1400" dirty="0" smtClean="0"/>
+                        <a:t>Store/supplier performance</a:t>
+                      </a:r>
+                      <a:r>
+                        <a:rPr lang="en-US" sz="1400" baseline="0" dirty="0" smtClean="0"/>
+                        <a:t> analysis</a:t>
+                      </a:r>
+                      <a:endParaRPr lang="en-US" sz="1400" dirty="0"/>
                     </a:p>
                   </a:txBody>
                   <a:tcPr/>
@@ -3235,7 +3310,15 @@
                     <a:bodyPr/>
                     <a:lstStyle/>
                     <a:p>
-                      <a:endParaRPr lang="en-US"/>
+                      <a:r>
+                        <a:rPr lang="en-US" sz="1400" dirty="0" smtClean="0"/>
+                        <a:t>Supplier analysis</a:t>
+                      </a:r>
+                      <a:r>
+                        <a:rPr lang="en-US" sz="1400" baseline="0" dirty="0" smtClean="0"/>
+                        <a:t> according to location </a:t>
+                      </a:r>
+                      <a:endParaRPr lang="en-US" sz="1400" dirty="0"/>
                     </a:p>
                   </a:txBody>
                   <a:tcPr/>
@@ -3245,7 +3328,11 @@
                     <a:bodyPr/>
                     <a:lstStyle/>
                     <a:p>
-                      <a:endParaRPr lang="en-US" dirty="0"/>
+                      <a:r>
+                        <a:rPr lang="en-US" sz="1400" dirty="0" smtClean="0"/>
+                        <a:t>Supplier discount analysis</a:t>
+                      </a:r>
+                      <a:endParaRPr lang="en-US" sz="1400" dirty="0"/>
                     </a:p>
                   </a:txBody>
                   <a:tcPr/>
@@ -3264,8 +3351,8 @@
           <p:nvPr/>
         </p:nvGraphicFramePr>
         <p:xfrm>
-          <a:off x="2209800" y="2451100"/>
-          <a:ext cx="6096000" cy="1038851"/>
+          <a:off x="2209800" y="2209800"/>
+          <a:ext cx="6096000" cy="1313171"/>
         </p:xfrm>
         <a:graphic>
           <a:graphicData uri="http://schemas.openxmlformats.org/drawingml/2006/table">
@@ -3284,6 +3371,17 @@
                     <a:bodyPr/>
                     <a:lstStyle/>
                     <a:p>
+                      <a:r>
+                        <a:rPr lang="en-US" sz="1600" b="1" kern="1200" dirty="0" smtClean="0">
+                          <a:solidFill>
+                            <a:schemeClr val="lt1"/>
+                          </a:solidFill>
+                          <a:latin typeface="+mn-lt"/>
+                          <a:ea typeface="+mn-ea"/>
+                          <a:cs typeface="+mn-cs"/>
+                        </a:rPr>
+                        <a:t>Customer Analysis</a:t>
+                      </a:r>
                       <a:endParaRPr lang="en-US" sz="1600" b="1" kern="1200" dirty="0" smtClean="0">
                         <a:solidFill>
                           <a:schemeClr val="lt1"/>
@@ -3301,6 +3399,14 @@
                     <a:bodyPr/>
                     <a:lstStyle/>
                     <a:p>
+                      <a:r>
+                        <a:rPr lang="en-US" dirty="0" smtClean="0"/>
+                        <a:t>Region</a:t>
+                      </a:r>
+                      <a:r>
+                        <a:rPr lang="en-US" baseline="0" dirty="0" smtClean="0"/>
+                        <a:t> Analysis</a:t>
+                      </a:r>
                       <a:endParaRPr lang="en-US" dirty="0"/>
                     </a:p>
                   </a:txBody>
@@ -3311,7 +3417,15 @@
                     <a:bodyPr/>
                     <a:lstStyle/>
                     <a:p>
-                      <a:endParaRPr lang="en-US"/>
+                      <a:r>
+                        <a:rPr lang="en-US" dirty="0" smtClean="0"/>
+                        <a:t>Customer</a:t>
+                      </a:r>
+                      <a:r>
+                        <a:rPr lang="en-US" baseline="0" dirty="0" smtClean="0"/>
+                        <a:t> return Analysis</a:t>
+                      </a:r>
+                      <a:endParaRPr lang="en-US" dirty="0"/>
                     </a:p>
                   </a:txBody>
                   <a:tcPr/>
@@ -3323,7 +3437,15 @@
                     <a:bodyPr/>
                     <a:lstStyle/>
                     <a:p>
-                      <a:endParaRPr lang="en-US" dirty="0"/>
+                      <a:r>
+                        <a:rPr lang="en-US" sz="1400" dirty="0" smtClean="0"/>
+                        <a:t>Customer</a:t>
+                      </a:r>
+                      <a:r>
+                        <a:rPr lang="en-US" sz="1400" baseline="0" dirty="0" smtClean="0"/>
+                        <a:t> order analysis</a:t>
+                      </a:r>
+                      <a:endParaRPr lang="en-US" sz="1400" dirty="0"/>
                     </a:p>
                   </a:txBody>
                   <a:tcPr/>
@@ -3333,7 +3455,11 @@
                     <a:bodyPr/>
                     <a:lstStyle/>
                     <a:p>
-                      <a:endParaRPr lang="en-US" dirty="0"/>
+                      <a:r>
+                        <a:rPr lang="en-US" sz="1400" dirty="0" smtClean="0"/>
+                        <a:t>Customer and supplier region analysis</a:t>
+                      </a:r>
+                      <a:endParaRPr lang="en-US" sz="1400" dirty="0"/>
                     </a:p>
                   </a:txBody>
                   <a:tcPr/>
@@ -3343,7 +3469,15 @@
                     <a:bodyPr/>
                     <a:lstStyle/>
                     <a:p>
-                      <a:endParaRPr lang="en-US" dirty="0"/>
+                      <a:r>
+                        <a:rPr lang="en-US" sz="1400" dirty="0" smtClean="0"/>
+                        <a:t>Customer returned</a:t>
+                      </a:r>
+                      <a:r>
+                        <a:rPr lang="en-US" sz="1400" baseline="0" dirty="0" smtClean="0"/>
+                        <a:t> analysis</a:t>
+                      </a:r>
+                      <a:endParaRPr lang="en-US" sz="1400" dirty="0"/>
                     </a:p>
                   </a:txBody>
                   <a:tcPr/>
@@ -3362,8 +3496,8 @@
           <p:nvPr/>
         </p:nvGraphicFramePr>
         <p:xfrm>
-          <a:off x="2209800" y="5057140"/>
-          <a:ext cx="6096000" cy="1411289"/>
+          <a:off x="2209800" y="5057141"/>
+          <a:ext cx="6096000" cy="1496059"/>
         </p:xfrm>
         <a:graphic>
           <a:graphicData uri="http://schemas.openxmlformats.org/drawingml/2006/table">
@@ -3376,12 +3510,23 @@
                 <a:gridCol w="2032000"/>
                 <a:gridCol w="2032000"/>
               </a:tblGrid>
-              <a:tr h="298131">
+              <a:tr h="705691">
                 <a:tc>
                   <a:txBody>
                     <a:bodyPr/>
                     <a:lstStyle/>
                     <a:p>
+                      <a:r>
+                        <a:rPr lang="en-US" sz="1600" b="1" kern="1200" dirty="0" smtClean="0">
+                          <a:solidFill>
+                            <a:schemeClr val="lt1"/>
+                          </a:solidFill>
+                          <a:latin typeface="+mn-lt"/>
+                          <a:ea typeface="+mn-ea"/>
+                          <a:cs typeface="+mn-cs"/>
+                        </a:rPr>
+                        <a:t>Employee Analysis</a:t>
+                      </a:r>
                       <a:endParaRPr lang="en-US" sz="1600" b="1" kern="1200" dirty="0" smtClean="0">
                         <a:solidFill>
                           <a:schemeClr val="lt1"/>
@@ -3399,6 +3544,14 @@
                     <a:bodyPr/>
                     <a:lstStyle/>
                     <a:p>
+                      <a:r>
+                        <a:rPr lang="en-US" dirty="0" smtClean="0"/>
+                        <a:t>Employee</a:t>
+                      </a:r>
+                      <a:r>
+                        <a:rPr lang="en-US" baseline="0" dirty="0" smtClean="0"/>
+                        <a:t> Performance</a:t>
+                      </a:r>
                       <a:endParaRPr lang="en-US" dirty="0"/>
                     </a:p>
                   </a:txBody>
@@ -3409,19 +3562,31 @@
                     <a:bodyPr/>
                     <a:lstStyle/>
                     <a:p>
+                      <a:r>
+                        <a:rPr lang="en-US" dirty="0" smtClean="0"/>
+                        <a:t>Employee tenure </a:t>
+                      </a:r>
                       <a:endParaRPr lang="en-US" dirty="0"/>
                     </a:p>
                   </a:txBody>
                   <a:tcPr/>
                 </a:tc>
               </a:tr>
-              <a:tr h="1045529">
+              <a:tr h="790368">
                 <a:tc>
                   <a:txBody>
                     <a:bodyPr/>
                     <a:lstStyle/>
                     <a:p>
-                      <a:endParaRPr lang="en-US" dirty="0"/>
+                      <a:r>
+                        <a:rPr lang="en-US" sz="1400" dirty="0" smtClean="0"/>
+                        <a:t>Employee analysis</a:t>
+                      </a:r>
+                      <a:r>
+                        <a:rPr lang="en-US" sz="1400" baseline="0" dirty="0" smtClean="0"/>
+                        <a:t> region wise</a:t>
+                      </a:r>
+                      <a:endParaRPr lang="en-US" sz="1400" dirty="0"/>
                     </a:p>
                   </a:txBody>
                   <a:tcPr/>
@@ -3431,7 +3596,11 @@
                     <a:bodyPr/>
                     <a:lstStyle/>
                     <a:p>
-                      <a:endParaRPr lang="en-US" dirty="0"/>
+                      <a:r>
+                        <a:rPr lang="en-US" sz="1400" dirty="0" smtClean="0"/>
+                        <a:t>Employee performance analysis</a:t>
+                      </a:r>
+                      <a:endParaRPr lang="en-US" sz="1400" dirty="0"/>
                     </a:p>
                   </a:txBody>
                   <a:tcPr/>
@@ -3441,7 +3610,11 @@
                     <a:bodyPr/>
                     <a:lstStyle/>
                     <a:p>
-                      <a:endParaRPr lang="en-US" dirty="0"/>
+                      <a:r>
+                        <a:rPr lang="en-US" sz="1400" dirty="0" smtClean="0"/>
+                        <a:t>Employee tenure analysis</a:t>
+                      </a:r>
+                      <a:endParaRPr lang="en-US" sz="1400" dirty="0"/>
                     </a:p>
                   </a:txBody>
                   <a:tcPr/>
@@ -3459,8 +3632,8 @@
         </p:nvSpPr>
         <p:spPr>
           <a:xfrm>
-            <a:off x="1447800" y="228600"/>
-            <a:ext cx="6324600" cy="457200"/>
+            <a:off x="0" y="228600"/>
+            <a:ext cx="9144000" cy="457200"/>
           </a:xfrm>
           <a:prstGeom prst="roundRect">
             <a:avLst/>
@@ -3529,8 +3702,8 @@
         </p:nvSpPr>
         <p:spPr>
           <a:xfrm>
-            <a:off x="228600" y="4191000"/>
-            <a:ext cx="1752600" cy="457200"/>
+            <a:off x="152400" y="4191000"/>
+            <a:ext cx="1905000" cy="457200"/>
           </a:xfrm>
           <a:prstGeom prst="roundRect">
             <a:avLst/>
@@ -3623,8 +3796,8 @@
         </p:nvSpPr>
         <p:spPr>
           <a:xfrm>
-            <a:off x="228600" y="5562600"/>
-            <a:ext cx="1752600" cy="457200"/>
+            <a:off x="152400" y="5562600"/>
+            <a:ext cx="1905000" cy="457200"/>
           </a:xfrm>
           <a:prstGeom prst="roundRect">
             <a:avLst/>
@@ -3658,6 +3831,58 @@
           <a:p>
             <a:pPr algn="ctr"/>
             <a:r>
+              <a:rPr lang="en-US" sz="1700" b="1" dirty="0" smtClean="0">
+                <a:ln w="12700">
+                  <a:solidFill>
+                    <a:schemeClr val="tx2">
+                      <a:satMod val="155000"/>
+                    </a:schemeClr>
+                  </a:solidFill>
+                  <a:prstDash val="solid"/>
+                </a:ln>
+                <a:solidFill>
+                  <a:schemeClr val="bg2">
+                    <a:tint val="85000"/>
+                    <a:satMod val="155000"/>
+                  </a:schemeClr>
+                </a:solidFill>
+                <a:effectLst>
+                  <a:outerShdw blurRad="41275" dist="20320" dir="1800000" algn="tl" rotWithShape="0">
+                    <a:srgbClr val="000000">
+                      <a:alpha val="40000"/>
+                    </a:srgbClr>
+                  </a:outerShdw>
+                </a:effectLst>
+              </a:rPr>
+              <a:t>Employee </a:t>
+            </a:r>
+            <a:r>
+              <a:rPr lang="en-US" sz="1700" b="1" dirty="0" smtClean="0">
+                <a:ln w="12700">
+                  <a:solidFill>
+                    <a:schemeClr val="tx2">
+                      <a:satMod val="155000"/>
+                    </a:schemeClr>
+                  </a:solidFill>
+                  <a:prstDash val="solid"/>
+                </a:ln>
+                <a:solidFill>
+                  <a:schemeClr val="bg2">
+                    <a:tint val="85000"/>
+                    <a:satMod val="155000"/>
+                  </a:schemeClr>
+                </a:solidFill>
+                <a:effectLst>
+                  <a:outerShdw blurRad="41275" dist="20320" dir="1800000" algn="tl" rotWithShape="0">
+                    <a:srgbClr val="000000">
+                      <a:alpha val="40000"/>
+                    </a:srgbClr>
+                  </a:outerShdw>
+                </a:effectLst>
+              </a:rPr>
+              <a:t>Analysi</a:t>
+            </a:r>
+            <a:r>
               <a:rPr lang="en-US" b="1" dirty="0" smtClean="0">
                 <a:ln w="12700">
                   <a:solidFill>
@@ -3681,7 +3906,7 @@
                   </a:outerShdw>
                 </a:effectLst>
               </a:rPr>
-              <a:t>Store Analysis</a:t>
+              <a:t>s</a:t>
             </a:r>
             <a:endParaRPr lang="en-US" b="1" dirty="0">
               <a:ln w="12700">
@@ -3717,8 +3942,8 @@
         </p:nvSpPr>
         <p:spPr>
           <a:xfrm>
-            <a:off x="304800" y="1447800"/>
-            <a:ext cx="1752600" cy="457200"/>
+            <a:off x="228600" y="1295400"/>
+            <a:ext cx="1828800" cy="457200"/>
           </a:xfrm>
           <a:prstGeom prst="roundRect">
             <a:avLst/>
@@ -3752,7 +3977,7 @@
           <a:p>
             <a:pPr algn="ctr"/>
             <a:r>
-              <a:rPr lang="en-US" b="1" dirty="0" smtClean="0">
+              <a:rPr lang="en-US" sz="1700" b="1" dirty="0" smtClean="0">
                 <a:ln w="12700">
                   <a:solidFill>
                     <a:schemeClr val="tx2">
@@ -3775,9 +4000,61 @@
                   </a:outerShdw>
                 </a:effectLst>
               </a:rPr>
-              <a:t>Store Analysis</a:t>
-            </a:r>
-            <a:endParaRPr lang="en-US" b="1" dirty="0">
+              <a:t>Product</a:t>
+            </a:r>
+            <a:r>
+              <a:rPr lang="en-US" sz="1700" b="1" dirty="0" smtClean="0">
+                <a:ln w="12700">
+                  <a:solidFill>
+                    <a:schemeClr val="tx2">
+                      <a:satMod val="155000"/>
+                    </a:schemeClr>
+                  </a:solidFill>
+                  <a:prstDash val="solid"/>
+                </a:ln>
+                <a:solidFill>
+                  <a:schemeClr val="bg2">
+                    <a:tint val="85000"/>
+                    <a:satMod val="155000"/>
+                  </a:schemeClr>
+                </a:solidFill>
+                <a:effectLst>
+                  <a:outerShdw blurRad="41275" dist="20320" dir="1800000" algn="tl" rotWithShape="0">
+                    <a:srgbClr val="000000">
+                      <a:alpha val="40000"/>
+                    </a:srgbClr>
+                  </a:outerShdw>
+                </a:effectLst>
+              </a:rPr>
+              <a:t> </a:t>
+            </a:r>
+            <a:r>
+              <a:rPr lang="en-US" sz="1700" b="1" dirty="0" smtClean="0">
+                <a:ln w="12700">
+                  <a:solidFill>
+                    <a:schemeClr val="tx2">
+                      <a:satMod val="155000"/>
+                    </a:schemeClr>
+                  </a:solidFill>
+                  <a:prstDash val="solid"/>
+                </a:ln>
+                <a:solidFill>
+                  <a:schemeClr val="bg2">
+                    <a:tint val="85000"/>
+                    <a:satMod val="155000"/>
+                  </a:schemeClr>
+                </a:solidFill>
+                <a:effectLst>
+                  <a:outerShdw blurRad="41275" dist="20320" dir="1800000" algn="tl" rotWithShape="0">
+                    <a:srgbClr val="000000">
+                      <a:alpha val="40000"/>
+                    </a:srgbClr>
+                  </a:outerShdw>
+                </a:effectLst>
+              </a:rPr>
+              <a:t>Analysis</a:t>
+            </a:r>
+            <a:endParaRPr lang="en-US" sz="1700" b="1" dirty="0">
               <a:ln w="12700">
                 <a:solidFill>
                   <a:schemeClr val="tx2">
@@ -3811,8 +4088,8 @@
         </p:nvSpPr>
         <p:spPr>
           <a:xfrm>
-            <a:off x="228600" y="2743200"/>
-            <a:ext cx="1752600" cy="457200"/>
+            <a:off x="152400" y="2667000"/>
+            <a:ext cx="1905000" cy="457200"/>
           </a:xfrm>
           <a:prstGeom prst="roundRect">
             <a:avLst/>
@@ -3846,7 +4123,7 @@
           <a:p>
             <a:pPr algn="ctr"/>
             <a:r>
-              <a:rPr lang="en-US" b="1" dirty="0" smtClean="0">
+              <a:rPr lang="en-US" sz="1600" b="1" dirty="0" smtClean="0">
                 <a:ln w="12700">
                   <a:solidFill>
                     <a:schemeClr val="tx2">
@@ -3869,9 +4146,61 @@
                   </a:outerShdw>
                 </a:effectLst>
               </a:rPr>
-              <a:t>Store Analysis</a:t>
-            </a:r>
-            <a:endParaRPr lang="en-US" b="1" dirty="0">
+              <a:t>Customer</a:t>
+            </a:r>
+            <a:r>
+              <a:rPr lang="en-US" sz="1600" b="1" dirty="0" smtClean="0">
+                <a:ln w="12700">
+                  <a:solidFill>
+                    <a:schemeClr val="tx2">
+                      <a:satMod val="155000"/>
+                    </a:schemeClr>
+                  </a:solidFill>
+                  <a:prstDash val="solid"/>
+                </a:ln>
+                <a:solidFill>
+                  <a:schemeClr val="bg2">
+                    <a:tint val="85000"/>
+                    <a:satMod val="155000"/>
+                  </a:schemeClr>
+                </a:solidFill>
+                <a:effectLst>
+                  <a:outerShdw blurRad="41275" dist="20320" dir="1800000" algn="tl" rotWithShape="0">
+                    <a:srgbClr val="000000">
+                      <a:alpha val="40000"/>
+                    </a:srgbClr>
+                  </a:outerShdw>
+                </a:effectLst>
+              </a:rPr>
+              <a:t> </a:t>
+            </a:r>
+            <a:r>
+              <a:rPr lang="en-US" sz="1600" b="1" dirty="0" smtClean="0">
+                <a:ln w="12700">
+                  <a:solidFill>
+                    <a:schemeClr val="tx2">
+                      <a:satMod val="155000"/>
+                    </a:schemeClr>
+                  </a:solidFill>
+                  <a:prstDash val="solid"/>
+                </a:ln>
+                <a:solidFill>
+                  <a:schemeClr val="bg2">
+                    <a:tint val="85000"/>
+                    <a:satMod val="155000"/>
+                  </a:schemeClr>
+                </a:solidFill>
+                <a:effectLst>
+                  <a:outerShdw blurRad="41275" dist="20320" dir="1800000" algn="tl" rotWithShape="0">
+                    <a:srgbClr val="000000">
+                      <a:alpha val="40000"/>
+                    </a:srgbClr>
+                  </a:outerShdw>
+                </a:effectLst>
+              </a:rPr>
+              <a:t>Analysis</a:t>
+            </a:r>
+            <a:endParaRPr lang="en-US" sz="1600" b="1" dirty="0">
               <a:ln w="12700">
                 <a:solidFill>
                   <a:schemeClr val="tx2">
